--- a/file/面试文档/11-组件化.pptx
+++ b/file/面试文档/11-组件化.pptx
@@ -2633,6 +2633,25 @@
               </a:rPr>
               <a:t>protocol下沉到公共模块</a:t>
             </a:r>
+            <a:endParaRPr lang="en-US" sz="1600">
+              <a:solidFill>
+                <a:schemeClr val="tx1">
+                  <a:lumMod val="65000"/>
+                  <a:lumOff val="35000"/>
+                </a:schemeClr>
+              </a:solidFill>
+              <a:latin typeface="微软雅黑" panose="020B0503020204020204" pitchFamily="34" charset="-122"/>
+              <a:ea typeface="微软雅黑" panose="020B0503020204020204" pitchFamily="34" charset="-122"/>
+            </a:endParaRPr>
+          </a:p>
+          <a:p>
+            <a:pPr marL="800100" lvl="1" indent="-342900">
+              <a:lnSpc>
+                <a:spcPts val="2200"/>
+              </a:lnSpc>
+              <a:buFont typeface="Wingdings" panose="05000000000000000000" pitchFamily="2" charset="2"/>
+              <a:buChar char="n"/>
+            </a:pPr>
             <a:endParaRPr lang="en-US" altLang="zh-CN" sz="1600">
               <a:solidFill>
                 <a:schemeClr val="tx1">
@@ -3723,6 +3742,15 @@
               </a:rPr>
               <a:t>URL+Block</a:t>
             </a:r>
+            <a:endParaRPr lang="en-US">
+              <a:solidFill>
+                <a:schemeClr val="tx1">
+                  <a:lumMod val="65000"/>
+                  <a:lumOff val="35000"/>
+                </a:schemeClr>
+              </a:solidFill>
+              <a:sym typeface="+mn-ea"/>
+            </a:endParaRPr>
           </a:p>
         </p:txBody>
       </p:sp>
@@ -6562,35 +6590,7 @@
                 <a:ea typeface="微软雅黑" panose="020B0503020204020204" pitchFamily="34" charset="-122"/>
                 <a:sym typeface="+mn-ea"/>
               </a:rPr>
-              <a:t>	* 应用启动阶段在全局字典中保存</a:t>
-            </a:r>
-            <a:r>
-              <a:rPr lang="zh-CN" altLang="en-US" sz="1600">
-                <a:solidFill>
-                  <a:schemeClr val="tx1">
-                    <a:lumMod val="65000"/>
-                    <a:lumOff val="35000"/>
-                  </a:schemeClr>
-                </a:solidFill>
-                <a:latin typeface="微软雅黑" panose="020B0503020204020204" pitchFamily="34" charset="-122"/>
-                <a:ea typeface="微软雅黑" panose="020B0503020204020204" pitchFamily="34" charset="-122"/>
-                <a:sym typeface="+mn-ea"/>
-              </a:rPr>
-              <a:t>协议</a:t>
-            </a:r>
-            <a:r>
-              <a:rPr lang="zh-CN" altLang="en-US" sz="1600">
-                <a:solidFill>
-                  <a:schemeClr val="tx1">
-                    <a:lumMod val="65000"/>
-                    <a:lumOff val="35000"/>
-                  </a:schemeClr>
-                </a:solidFill>
-                <a:latin typeface="微软雅黑" panose="020B0503020204020204" pitchFamily="34" charset="-122"/>
-                <a:ea typeface="微软雅黑" panose="020B0503020204020204" pitchFamily="34" charset="-122"/>
-                <a:sym typeface="+mn-ea"/>
-              </a:rPr>
-              <a:t>与协议实现类的映射关系；</a:t>
+              <a:t>	* 应用启动阶段在全局字典中保存协议与协议实现类的映射关系；</a:t>
             </a:r>
             <a:endParaRPr lang="zh-CN" altLang="en-US" sz="1600">
               <a:solidFill>
